--- a/assets/rs-caucy/RS-Caucy.pptx
+++ b/assets/rs-caucy/RS-Caucy.pptx
@@ -6,6 +6,8 @@
   </p:sldMasterIdLst>
   <p:sldIdLst>
     <p:sldId id="256" r:id="rId2"/>
+    <p:sldId id="257" r:id="rId3"/>
+    <p:sldId id="258" r:id="rId4"/>
   </p:sldIdLst>
   <p:sldSz cx="12192000" cy="6858000"/>
   <p:notesSz cx="6858000" cy="9144000"/>
@@ -259,7 +261,7 @@
           <a:p>
             <a:fld id="{F2143DD4-D8CE-1942-957F-3ADAF21DD321}" type="datetimeFigureOut">
               <a:rPr kumimoji="1" lang="zh-CN" altLang="en-US" smtClean="0"/>
-              <a:t>2023/10/12</a:t>
+              <a:t>2023/10/16</a:t>
             </a:fld>
             <a:endParaRPr kumimoji="1" lang="zh-CN" altLang="en-US"/>
           </a:p>
@@ -457,7 +459,7 @@
           <a:p>
             <a:fld id="{F2143DD4-D8CE-1942-957F-3ADAF21DD321}" type="datetimeFigureOut">
               <a:rPr kumimoji="1" lang="zh-CN" altLang="en-US" smtClean="0"/>
-              <a:t>2023/10/12</a:t>
+              <a:t>2023/10/16</a:t>
             </a:fld>
             <a:endParaRPr kumimoji="1" lang="zh-CN" altLang="en-US"/>
           </a:p>
@@ -665,7 +667,7 @@
           <a:p>
             <a:fld id="{F2143DD4-D8CE-1942-957F-3ADAF21DD321}" type="datetimeFigureOut">
               <a:rPr kumimoji="1" lang="zh-CN" altLang="en-US" smtClean="0"/>
-              <a:t>2023/10/12</a:t>
+              <a:t>2023/10/16</a:t>
             </a:fld>
             <a:endParaRPr kumimoji="1" lang="zh-CN" altLang="en-US"/>
           </a:p>
@@ -863,7 +865,7 @@
           <a:p>
             <a:fld id="{F2143DD4-D8CE-1942-957F-3ADAF21DD321}" type="datetimeFigureOut">
               <a:rPr kumimoji="1" lang="zh-CN" altLang="en-US" smtClean="0"/>
-              <a:t>2023/10/12</a:t>
+              <a:t>2023/10/16</a:t>
             </a:fld>
             <a:endParaRPr kumimoji="1" lang="zh-CN" altLang="en-US"/>
           </a:p>
@@ -1138,7 +1140,7 @@
           <a:p>
             <a:fld id="{F2143DD4-D8CE-1942-957F-3ADAF21DD321}" type="datetimeFigureOut">
               <a:rPr kumimoji="1" lang="zh-CN" altLang="en-US" smtClean="0"/>
-              <a:t>2023/10/12</a:t>
+              <a:t>2023/10/16</a:t>
             </a:fld>
             <a:endParaRPr kumimoji="1" lang="zh-CN" altLang="en-US"/>
           </a:p>
@@ -1403,7 +1405,7 @@
           <a:p>
             <a:fld id="{F2143DD4-D8CE-1942-957F-3ADAF21DD321}" type="datetimeFigureOut">
               <a:rPr kumimoji="1" lang="zh-CN" altLang="en-US" smtClean="0"/>
-              <a:t>2023/10/12</a:t>
+              <a:t>2023/10/16</a:t>
             </a:fld>
             <a:endParaRPr kumimoji="1" lang="zh-CN" altLang="en-US"/>
           </a:p>
@@ -1815,7 +1817,7 @@
           <a:p>
             <a:fld id="{F2143DD4-D8CE-1942-957F-3ADAF21DD321}" type="datetimeFigureOut">
               <a:rPr kumimoji="1" lang="zh-CN" altLang="en-US" smtClean="0"/>
-              <a:t>2023/10/12</a:t>
+              <a:t>2023/10/16</a:t>
             </a:fld>
             <a:endParaRPr kumimoji="1" lang="zh-CN" altLang="en-US"/>
           </a:p>
@@ -1956,7 +1958,7 @@
           <a:p>
             <a:fld id="{F2143DD4-D8CE-1942-957F-3ADAF21DD321}" type="datetimeFigureOut">
               <a:rPr kumimoji="1" lang="zh-CN" altLang="en-US" smtClean="0"/>
-              <a:t>2023/10/12</a:t>
+              <a:t>2023/10/16</a:t>
             </a:fld>
             <a:endParaRPr kumimoji="1" lang="zh-CN" altLang="en-US"/>
           </a:p>
@@ -2069,7 +2071,7 @@
           <a:p>
             <a:fld id="{F2143DD4-D8CE-1942-957F-3ADAF21DD321}" type="datetimeFigureOut">
               <a:rPr kumimoji="1" lang="zh-CN" altLang="en-US" smtClean="0"/>
-              <a:t>2023/10/12</a:t>
+              <a:t>2023/10/16</a:t>
             </a:fld>
             <a:endParaRPr kumimoji="1" lang="zh-CN" altLang="en-US"/>
           </a:p>
@@ -2380,7 +2382,7 @@
           <a:p>
             <a:fld id="{F2143DD4-D8CE-1942-957F-3ADAF21DD321}" type="datetimeFigureOut">
               <a:rPr kumimoji="1" lang="zh-CN" altLang="en-US" smtClean="0"/>
-              <a:t>2023/10/12</a:t>
+              <a:t>2023/10/16</a:t>
             </a:fld>
             <a:endParaRPr kumimoji="1" lang="zh-CN" altLang="en-US"/>
           </a:p>
@@ -2668,7 +2670,7 @@
           <a:p>
             <a:fld id="{F2143DD4-D8CE-1942-957F-3ADAF21DD321}" type="datetimeFigureOut">
               <a:rPr kumimoji="1" lang="zh-CN" altLang="en-US" smtClean="0"/>
-              <a:t>2023/10/12</a:t>
+              <a:t>2023/10/16</a:t>
             </a:fld>
             <a:endParaRPr kumimoji="1" lang="zh-CN" altLang="en-US"/>
           </a:p>
@@ -2909,7 +2911,7 @@
           <a:p>
             <a:fld id="{F2143DD4-D8CE-1942-957F-3ADAF21DD321}" type="datetimeFigureOut">
               <a:rPr kumimoji="1" lang="zh-CN" altLang="en-US" smtClean="0"/>
-              <a:t>2023/10/12</a:t>
+              <a:t>2023/10/16</a:t>
             </a:fld>
             <a:endParaRPr kumimoji="1" lang="zh-CN" altLang="en-US"/>
           </a:p>
@@ -3469,6 +3471,605 @@
 </p:sld>
 </file>
 
+<file path=ppt/slides/slide2.xml><?xml version="1.0" encoding="utf-8"?>
+<p:sld xmlns:a="http://schemas.openxmlformats.org/drawingml/2006/main" xmlns:r="http://schemas.openxmlformats.org/officeDocument/2006/relationships" xmlns:p="http://schemas.openxmlformats.org/presentationml/2006/main">
+  <p:cSld>
+    <p:spTree>
+      <p:nvGrpSpPr>
+        <p:cNvPr id="1" name=""/>
+        <p:cNvGrpSpPr/>
+        <p:nvPr/>
+      </p:nvGrpSpPr>
+      <p:grpSpPr>
+        <a:xfrm>
+          <a:off x="0" y="0"/>
+          <a:ext cx="0" cy="0"/>
+          <a:chOff x="0" y="0"/>
+          <a:chExt cx="0" cy="0"/>
+        </a:xfrm>
+      </p:grpSpPr>
+      <p:pic>
+        <p:nvPicPr>
+          <p:cNvPr id="4" name="图片 3">
+            <a:extLst>
+              <a:ext uri="{FF2B5EF4-FFF2-40B4-BE49-F238E27FC236}">
+                <a16:creationId xmlns:a16="http://schemas.microsoft.com/office/drawing/2014/main" id="{C402C983-4B59-12C2-47DB-7FA5097AC591}"/>
+              </a:ext>
+            </a:extLst>
+          </p:cNvPr>
+          <p:cNvPicPr>
+            <a:picLocks noChangeAspect="1"/>
+          </p:cNvPicPr>
+          <p:nvPr/>
+        </p:nvPicPr>
+        <p:blipFill>
+          <a:blip r:embed="rId2"/>
+          <a:stretch>
+            <a:fillRect/>
+          </a:stretch>
+        </p:blipFill>
+        <p:spPr>
+          <a:xfrm>
+            <a:off x="1256393" y="717550"/>
+            <a:ext cx="3060700" cy="5422900"/>
+          </a:xfrm>
+          <a:prstGeom prst="rect">
+            <a:avLst/>
+          </a:prstGeom>
+        </p:spPr>
+      </p:pic>
+      <p:pic>
+        <p:nvPicPr>
+          <p:cNvPr id="5" name="图片 4">
+            <a:extLst>
+              <a:ext uri="{FF2B5EF4-FFF2-40B4-BE49-F238E27FC236}">
+                <a16:creationId xmlns:a16="http://schemas.microsoft.com/office/drawing/2014/main" id="{13774235-56A9-4C6E-E38F-D7354535CCEE}"/>
+              </a:ext>
+            </a:extLst>
+          </p:cNvPr>
+          <p:cNvPicPr>
+            <a:picLocks noChangeAspect="1"/>
+          </p:cNvPicPr>
+          <p:nvPr/>
+        </p:nvPicPr>
+        <p:blipFill>
+          <a:blip r:embed="rId3"/>
+          <a:stretch>
+            <a:fillRect/>
+          </a:stretch>
+        </p:blipFill>
+        <p:spPr>
+          <a:xfrm>
+            <a:off x="6096000" y="717550"/>
+            <a:ext cx="3289300" cy="5422900"/>
+          </a:xfrm>
+          <a:prstGeom prst="rect">
+            <a:avLst/>
+          </a:prstGeom>
+        </p:spPr>
+      </p:pic>
+      <p:cxnSp>
+        <p:nvCxnSpPr>
+          <p:cNvPr id="7" name="直线箭头连接符 6">
+            <a:extLst>
+              <a:ext uri="{FF2B5EF4-FFF2-40B4-BE49-F238E27FC236}">
+                <a16:creationId xmlns:a16="http://schemas.microsoft.com/office/drawing/2014/main" id="{5A198C62-D9DF-2E6B-E595-F819BE553BA5}"/>
+              </a:ext>
+            </a:extLst>
+          </p:cNvPr>
+          <p:cNvCxnSpPr>
+            <a:cxnSpLocks/>
+          </p:cNvCxnSpPr>
+          <p:nvPr/>
+        </p:nvCxnSpPr>
+        <p:spPr>
+          <a:xfrm>
+            <a:off x="4482200" y="2525486"/>
+            <a:ext cx="2255150" cy="0"/>
+          </a:xfrm>
+          <a:prstGeom prst="straightConnector1">
+            <a:avLst/>
+          </a:prstGeom>
+          <a:ln w="57150">
+            <a:tailEnd type="triangle"/>
+          </a:ln>
+        </p:spPr>
+        <p:style>
+          <a:lnRef idx="1">
+            <a:schemeClr val="accent1"/>
+          </a:lnRef>
+          <a:fillRef idx="0">
+            <a:schemeClr val="accent1"/>
+          </a:fillRef>
+          <a:effectRef idx="0">
+            <a:schemeClr val="accent1"/>
+          </a:effectRef>
+          <a:fontRef idx="minor">
+            <a:schemeClr val="tx1"/>
+          </a:fontRef>
+        </p:style>
+      </p:cxnSp>
+      <p:sp>
+        <p:nvSpPr>
+          <p:cNvPr id="8" name="文本框 7">
+            <a:extLst>
+              <a:ext uri="{FF2B5EF4-FFF2-40B4-BE49-F238E27FC236}">
+                <a16:creationId xmlns:a16="http://schemas.microsoft.com/office/drawing/2014/main" id="{2F0753B8-6D81-A01C-E1D7-07C0D7E1164C}"/>
+              </a:ext>
+            </a:extLst>
+          </p:cNvPr>
+          <p:cNvSpPr txBox="1"/>
+          <p:nvPr/>
+        </p:nvSpPr>
+        <p:spPr>
+          <a:xfrm>
+            <a:off x="4901889" y="1954964"/>
+            <a:ext cx="1415772" cy="461665"/>
+          </a:xfrm>
+          <a:prstGeom prst="rect">
+            <a:avLst/>
+          </a:prstGeom>
+          <a:noFill/>
+        </p:spPr>
+        <p:txBody>
+          <a:bodyPr wrap="none" rtlCol="0">
+            <a:spAutoFit/>
+          </a:bodyPr>
+          <a:lstStyle/>
+          <a:p>
+            <a:r>
+              <a:rPr kumimoji="1" lang="zh-CN" altLang="en-US" sz="2400" dirty="0">
+                <a:latin typeface="Microsoft YaHei" panose="020B0503020204020204" pitchFamily="34" charset="-122"/>
+                <a:ea typeface="Microsoft YaHei" panose="020B0503020204020204" pitchFamily="34" charset="-122"/>
+                <a:cs typeface="Times New Roman" panose="02020603050405020304" pitchFamily="18" charset="0"/>
+              </a:rPr>
+              <a:t>线性变换</a:t>
+            </a:r>
+          </a:p>
+        </p:txBody>
+      </p:sp>
+      <p:sp>
+        <p:nvSpPr>
+          <p:cNvPr id="10" name="椭圆 9">
+            <a:extLst>
+              <a:ext uri="{FF2B5EF4-FFF2-40B4-BE49-F238E27FC236}">
+                <a16:creationId xmlns:a16="http://schemas.microsoft.com/office/drawing/2014/main" id="{74DADF4F-AB3C-3B9C-3511-A6CA8EA2EE1D}"/>
+              </a:ext>
+            </a:extLst>
+          </p:cNvPr>
+          <p:cNvSpPr/>
+          <p:nvPr/>
+        </p:nvSpPr>
+        <p:spPr>
+          <a:xfrm>
+            <a:off x="3385457" y="4920343"/>
+            <a:ext cx="544286" cy="544286"/>
+          </a:xfrm>
+          <a:prstGeom prst="ellipse">
+            <a:avLst/>
+          </a:prstGeom>
+          <a:noFill/>
+          <a:ln w="38100">
+            <a:solidFill>
+              <a:schemeClr val="accent1">
+                <a:lumMod val="60000"/>
+                <a:lumOff val="40000"/>
+              </a:schemeClr>
+            </a:solidFill>
+          </a:ln>
+        </p:spPr>
+        <p:style>
+          <a:lnRef idx="2">
+            <a:schemeClr val="accent1">
+              <a:shade val="50000"/>
+            </a:schemeClr>
+          </a:lnRef>
+          <a:fillRef idx="1">
+            <a:schemeClr val="accent1"/>
+          </a:fillRef>
+          <a:effectRef idx="0">
+            <a:schemeClr val="accent1"/>
+          </a:effectRef>
+          <a:fontRef idx="minor">
+            <a:schemeClr val="lt1"/>
+          </a:fontRef>
+        </p:style>
+        <p:txBody>
+          <a:bodyPr rtlCol="0" anchor="ctr"/>
+          <a:lstStyle/>
+          <a:p>
+            <a:pPr algn="ctr"/>
+            <a:endParaRPr kumimoji="1" lang="zh-CN" altLang="en-US"/>
+          </a:p>
+        </p:txBody>
+      </p:sp>
+      <p:cxnSp>
+        <p:nvCxnSpPr>
+          <p:cNvPr id="11" name="直线箭头连接符 10">
+            <a:extLst>
+              <a:ext uri="{FF2B5EF4-FFF2-40B4-BE49-F238E27FC236}">
+                <a16:creationId xmlns:a16="http://schemas.microsoft.com/office/drawing/2014/main" id="{EB935F0F-CDA6-4A1F-7F02-FAFF1BE73993}"/>
+              </a:ext>
+            </a:extLst>
+          </p:cNvPr>
+          <p:cNvCxnSpPr>
+            <a:cxnSpLocks/>
+          </p:cNvCxnSpPr>
+          <p:nvPr/>
+        </p:nvCxnSpPr>
+        <p:spPr>
+          <a:xfrm flipH="1" flipV="1">
+            <a:off x="3923691" y="5192486"/>
+            <a:ext cx="685800" cy="490310"/>
+          </a:xfrm>
+          <a:prstGeom prst="straightConnector1">
+            <a:avLst/>
+          </a:prstGeom>
+          <a:ln w="38100">
+            <a:solidFill>
+              <a:schemeClr val="accent1">
+                <a:lumMod val="60000"/>
+                <a:lumOff val="40000"/>
+              </a:schemeClr>
+            </a:solidFill>
+            <a:tailEnd type="triangle"/>
+          </a:ln>
+        </p:spPr>
+        <p:style>
+          <a:lnRef idx="1">
+            <a:schemeClr val="accent1"/>
+          </a:lnRef>
+          <a:fillRef idx="0">
+            <a:schemeClr val="accent1"/>
+          </a:fillRef>
+          <a:effectRef idx="0">
+            <a:schemeClr val="accent1"/>
+          </a:effectRef>
+          <a:fontRef idx="minor">
+            <a:schemeClr val="tx1"/>
+          </a:fontRef>
+        </p:style>
+      </p:cxnSp>
+      <p:sp>
+        <p:nvSpPr>
+          <p:cNvPr id="14" name="文本框 13">
+            <a:extLst>
+              <a:ext uri="{FF2B5EF4-FFF2-40B4-BE49-F238E27FC236}">
+                <a16:creationId xmlns:a16="http://schemas.microsoft.com/office/drawing/2014/main" id="{B24324AC-31A2-B5E7-00C2-B2DA310F0A41}"/>
+              </a:ext>
+            </a:extLst>
+          </p:cNvPr>
+          <p:cNvSpPr txBox="1"/>
+          <p:nvPr/>
+        </p:nvSpPr>
+        <p:spPr>
+          <a:xfrm>
+            <a:off x="4074001" y="5682796"/>
+            <a:ext cx="1723549" cy="400110"/>
+          </a:xfrm>
+          <a:prstGeom prst="rect">
+            <a:avLst/>
+          </a:prstGeom>
+          <a:noFill/>
+        </p:spPr>
+        <p:txBody>
+          <a:bodyPr wrap="none" rtlCol="0">
+            <a:spAutoFit/>
+          </a:bodyPr>
+          <a:lstStyle/>
+          <a:p>
+            <a:r>
+              <a:rPr kumimoji="1" lang="zh-CN" altLang="en-US" sz="2000" dirty="0">
+                <a:latin typeface="Microsoft YaHei" panose="020B0503020204020204" pitchFamily="34" charset="-122"/>
+                <a:ea typeface="Microsoft YaHei" panose="020B0503020204020204" pitchFamily="34" charset="-122"/>
+                <a:cs typeface="Times New Roman" panose="02020603050405020304" pitchFamily="18" charset="0"/>
+              </a:rPr>
+              <a:t>有限域内乘法</a:t>
+            </a:r>
+          </a:p>
+        </p:txBody>
+      </p:sp>
+    </p:spTree>
+    <p:extLst>
+      <p:ext uri="{BB962C8B-B14F-4D97-AF65-F5344CB8AC3E}">
+        <p14:creationId xmlns:p14="http://schemas.microsoft.com/office/powerpoint/2010/main" val="942647923"/>
+      </p:ext>
+    </p:extLst>
+  </p:cSld>
+  <p:clrMapOvr>
+    <a:masterClrMapping/>
+  </p:clrMapOvr>
+</p:sld>
+</file>
+
+<file path=ppt/slides/slide3.xml><?xml version="1.0" encoding="utf-8"?>
+<p:sld xmlns:a="http://schemas.openxmlformats.org/drawingml/2006/main" xmlns:r="http://schemas.openxmlformats.org/officeDocument/2006/relationships" xmlns:p="http://schemas.openxmlformats.org/presentationml/2006/main">
+  <p:cSld>
+    <p:spTree>
+      <p:nvGrpSpPr>
+        <p:cNvPr id="1" name=""/>
+        <p:cNvGrpSpPr/>
+        <p:nvPr/>
+      </p:nvGrpSpPr>
+      <p:grpSpPr>
+        <a:xfrm>
+          <a:off x="0" y="0"/>
+          <a:ext cx="0" cy="0"/>
+          <a:chOff x="0" y="0"/>
+          <a:chExt cx="0" cy="0"/>
+        </a:xfrm>
+      </p:grpSpPr>
+      <p:pic>
+        <p:nvPicPr>
+          <p:cNvPr id="4" name="图片 3">
+            <a:extLst>
+              <a:ext uri="{FF2B5EF4-FFF2-40B4-BE49-F238E27FC236}">
+                <a16:creationId xmlns:a16="http://schemas.microsoft.com/office/drawing/2014/main" id="{922981B4-1060-12CB-DCC1-5A84C531797E}"/>
+              </a:ext>
+            </a:extLst>
+          </p:cNvPr>
+          <p:cNvPicPr>
+            <a:picLocks noChangeAspect="1"/>
+          </p:cNvPicPr>
+          <p:nvPr/>
+        </p:nvPicPr>
+        <p:blipFill>
+          <a:blip r:embed="rId2"/>
+          <a:stretch>
+            <a:fillRect/>
+          </a:stretch>
+        </p:blipFill>
+        <p:spPr>
+          <a:xfrm>
+            <a:off x="1282700" y="830036"/>
+            <a:ext cx="6578600" cy="2933700"/>
+          </a:xfrm>
+          <a:prstGeom prst="rect">
+            <a:avLst/>
+          </a:prstGeom>
+        </p:spPr>
+      </p:pic>
+      <p:sp>
+        <p:nvSpPr>
+          <p:cNvPr id="5" name="矩形 4">
+            <a:extLst>
+              <a:ext uri="{FF2B5EF4-FFF2-40B4-BE49-F238E27FC236}">
+                <a16:creationId xmlns:a16="http://schemas.microsoft.com/office/drawing/2014/main" id="{4931F32A-B6BC-A185-F7D6-C751419EFF8B}"/>
+              </a:ext>
+            </a:extLst>
+          </p:cNvPr>
+          <p:cNvSpPr/>
+          <p:nvPr/>
+        </p:nvSpPr>
+        <p:spPr>
+          <a:xfrm>
+            <a:off x="4920343" y="1404256"/>
+            <a:ext cx="130629" cy="130629"/>
+          </a:xfrm>
+          <a:prstGeom prst="rect">
+            <a:avLst/>
+          </a:prstGeom>
+        </p:spPr>
+        <p:style>
+          <a:lnRef idx="2">
+            <a:schemeClr val="accent1">
+              <a:shade val="50000"/>
+            </a:schemeClr>
+          </a:lnRef>
+          <a:fillRef idx="1">
+            <a:schemeClr val="accent1"/>
+          </a:fillRef>
+          <a:effectRef idx="0">
+            <a:schemeClr val="accent1"/>
+          </a:effectRef>
+          <a:fontRef idx="minor">
+            <a:schemeClr val="lt1"/>
+          </a:fontRef>
+        </p:style>
+        <p:txBody>
+          <a:bodyPr rtlCol="0" anchor="ctr"/>
+          <a:lstStyle/>
+          <a:p>
+            <a:pPr algn="ctr"/>
+            <a:endParaRPr kumimoji="1" lang="zh-CN" altLang="en-US"/>
+          </a:p>
+        </p:txBody>
+      </p:sp>
+      <p:cxnSp>
+        <p:nvCxnSpPr>
+          <p:cNvPr id="6" name="直线箭头连接符 5">
+            <a:extLst>
+              <a:ext uri="{FF2B5EF4-FFF2-40B4-BE49-F238E27FC236}">
+                <a16:creationId xmlns:a16="http://schemas.microsoft.com/office/drawing/2014/main" id="{E2C4DCF3-D7EB-DE05-6533-1E5AB58771B0}"/>
+              </a:ext>
+            </a:extLst>
+          </p:cNvPr>
+          <p:cNvCxnSpPr>
+            <a:cxnSpLocks/>
+          </p:cNvCxnSpPr>
+          <p:nvPr/>
+        </p:nvCxnSpPr>
+        <p:spPr>
+          <a:xfrm flipH="1">
+            <a:off x="5050972" y="1251857"/>
+            <a:ext cx="413657" cy="228600"/>
+          </a:xfrm>
+          <a:prstGeom prst="straightConnector1">
+            <a:avLst/>
+          </a:prstGeom>
+          <a:ln w="38100">
+            <a:solidFill>
+              <a:schemeClr val="accent1">
+                <a:lumMod val="75000"/>
+              </a:schemeClr>
+            </a:solidFill>
+            <a:tailEnd type="triangle"/>
+          </a:ln>
+        </p:spPr>
+        <p:style>
+          <a:lnRef idx="1">
+            <a:schemeClr val="accent1"/>
+          </a:lnRef>
+          <a:fillRef idx="0">
+            <a:schemeClr val="accent1"/>
+          </a:fillRef>
+          <a:effectRef idx="0">
+            <a:schemeClr val="accent1"/>
+          </a:effectRef>
+          <a:fontRef idx="minor">
+            <a:schemeClr val="tx1"/>
+          </a:fontRef>
+        </p:style>
+      </p:cxnSp>
+      <p:sp>
+        <p:nvSpPr>
+          <p:cNvPr id="8" name="文本框 7">
+            <a:extLst>
+              <a:ext uri="{FF2B5EF4-FFF2-40B4-BE49-F238E27FC236}">
+                <a16:creationId xmlns:a16="http://schemas.microsoft.com/office/drawing/2014/main" id="{4B6747E7-0433-22BF-8558-F6ACAF2AC5B5}"/>
+              </a:ext>
+            </a:extLst>
+          </p:cNvPr>
+          <p:cNvSpPr txBox="1"/>
+          <p:nvPr/>
+        </p:nvSpPr>
+        <p:spPr>
+          <a:xfrm>
+            <a:off x="5464629" y="1051802"/>
+            <a:ext cx="513282" cy="400110"/>
+          </a:xfrm>
+          <a:prstGeom prst="rect">
+            <a:avLst/>
+          </a:prstGeom>
+          <a:noFill/>
+        </p:spPr>
+        <p:txBody>
+          <a:bodyPr wrap="none" rtlCol="0">
+            <a:spAutoFit/>
+          </a:bodyPr>
+          <a:lstStyle/>
+          <a:p>
+            <a:r>
+              <a:rPr kumimoji="1" lang="en-US" altLang="zh-CN" sz="2000" dirty="0">
+                <a:latin typeface="Microsoft YaHei" panose="020B0503020204020204" pitchFamily="34" charset="-122"/>
+                <a:ea typeface="Microsoft YaHei" panose="020B0503020204020204" pitchFamily="34" charset="-122"/>
+                <a:cs typeface="Times New Roman" panose="02020603050405020304" pitchFamily="18" charset="0"/>
+              </a:rPr>
+              <a:t>bit</a:t>
+            </a:r>
+            <a:endParaRPr kumimoji="1" lang="zh-CN" altLang="en-US" sz="2000" dirty="0">
+              <a:latin typeface="Microsoft YaHei" panose="020B0503020204020204" pitchFamily="34" charset="-122"/>
+              <a:ea typeface="Microsoft YaHei" panose="020B0503020204020204" pitchFamily="34" charset="-122"/>
+              <a:cs typeface="Times New Roman" panose="02020603050405020304" pitchFamily="18" charset="0"/>
+            </a:endParaRPr>
+          </a:p>
+        </p:txBody>
+      </p:sp>
+      <p:sp>
+        <p:nvSpPr>
+          <p:cNvPr id="9" name="左大括号 8">
+            <a:extLst>
+              <a:ext uri="{FF2B5EF4-FFF2-40B4-BE49-F238E27FC236}">
+                <a16:creationId xmlns:a16="http://schemas.microsoft.com/office/drawing/2014/main" id="{45462973-E8DF-11F6-CD70-D95198D81DBD}"/>
+              </a:ext>
+            </a:extLst>
+          </p:cNvPr>
+          <p:cNvSpPr/>
+          <p:nvPr/>
+        </p:nvSpPr>
+        <p:spPr>
+          <a:xfrm>
+            <a:off x="4136571" y="3200400"/>
+            <a:ext cx="163286" cy="446314"/>
+          </a:xfrm>
+          <a:prstGeom prst="leftBrace">
+            <a:avLst/>
+          </a:prstGeom>
+          <a:ln w="19050"/>
+        </p:spPr>
+        <p:style>
+          <a:lnRef idx="1">
+            <a:schemeClr val="accent1"/>
+          </a:lnRef>
+          <a:fillRef idx="0">
+            <a:schemeClr val="accent1"/>
+          </a:fillRef>
+          <a:effectRef idx="0">
+            <a:schemeClr val="accent1"/>
+          </a:effectRef>
+          <a:fontRef idx="minor">
+            <a:schemeClr val="tx1"/>
+          </a:fontRef>
+        </p:style>
+        <p:txBody>
+          <a:bodyPr rtlCol="0" anchor="ctr"/>
+          <a:lstStyle/>
+          <a:p>
+            <a:pPr algn="ctr"/>
+            <a:endParaRPr kumimoji="1" lang="zh-CN" altLang="en-US"/>
+          </a:p>
+        </p:txBody>
+      </p:sp>
+      <p:sp>
+        <p:nvSpPr>
+          <p:cNvPr id="10" name="文本框 9">
+            <a:extLst>
+              <a:ext uri="{FF2B5EF4-FFF2-40B4-BE49-F238E27FC236}">
+                <a16:creationId xmlns:a16="http://schemas.microsoft.com/office/drawing/2014/main" id="{27212150-937B-E6F8-6867-6B2CEFFAF56D}"/>
+              </a:ext>
+            </a:extLst>
+          </p:cNvPr>
+          <p:cNvSpPr txBox="1"/>
+          <p:nvPr/>
+        </p:nvSpPr>
+        <p:spPr>
+          <a:xfrm>
+            <a:off x="2549167" y="3359484"/>
+            <a:ext cx="1669047" cy="400110"/>
+          </a:xfrm>
+          <a:prstGeom prst="rect">
+            <a:avLst/>
+          </a:prstGeom>
+          <a:noFill/>
+        </p:spPr>
+        <p:txBody>
+          <a:bodyPr wrap="none" rtlCol="0">
+            <a:spAutoFit/>
+          </a:bodyPr>
+          <a:lstStyle/>
+          <a:p>
+            <a:r>
+              <a:rPr kumimoji="1" lang="en-US" altLang="zh-CN" sz="2000" dirty="0">
+                <a:latin typeface="Microsoft YaHei" panose="020B0503020204020204" pitchFamily="34" charset="-122"/>
+                <a:ea typeface="Microsoft YaHei" panose="020B0503020204020204" pitchFamily="34" charset="-122"/>
+                <a:cs typeface="Times New Roman" panose="02020603050405020304" pitchFamily="18" charset="0"/>
+              </a:rPr>
+              <a:t>w</a:t>
+            </a:r>
+            <a:r>
+              <a:rPr kumimoji="1" lang="zh-CN" altLang="en-US" sz="2000" dirty="0">
+                <a:latin typeface="Microsoft YaHei" panose="020B0503020204020204" pitchFamily="34" charset="-122"/>
+                <a:ea typeface="Microsoft YaHei" panose="020B0503020204020204" pitchFamily="34" charset="-122"/>
+                <a:cs typeface="Times New Roman" panose="02020603050405020304" pitchFamily="18" charset="0"/>
+              </a:rPr>
+              <a:t>为编码路数</a:t>
+            </a:r>
+          </a:p>
+        </p:txBody>
+      </p:sp>
+    </p:spTree>
+    <p:extLst>
+      <p:ext uri="{BB962C8B-B14F-4D97-AF65-F5344CB8AC3E}">
+        <p14:creationId xmlns:p14="http://schemas.microsoft.com/office/powerpoint/2010/main" val="2665068745"/>
+      </p:ext>
+    </p:extLst>
+  </p:cSld>
+  <p:clrMapOvr>
+    <a:masterClrMapping/>
+  </p:clrMapOvr>
+</p:sld>
+</file>
+
 <file path=ppt/theme/theme1.xml><?xml version="1.0" encoding="utf-8"?>
 <a:theme xmlns:a="http://schemas.openxmlformats.org/drawingml/2006/main" name="Office 主题​​">
   <a:themeElements>
